--- a/TPS Reporting - Weekly Report #1 (1.0).pptx
+++ b/TPS Reporting - Weekly Report #1 (1.0).pptx
@@ -110,6 +110,11 @@
       </a:defRPr>
     </a:lvl9pPr>
   </p:defaultTextStyle>
+  <p:extLst>
+    <p:ext uri="{EFAFB233-063F-42B5-8137-9DF3F51BA10A}">
+      <p15:sldGuideLst xmlns:p15="http://schemas.microsoft.com/office/powerpoint/2012/main"/>
+    </p:ext>
+  </p:extLst>
 </p:presentation>
 </file>
 
@@ -6613,25 +6618,32 @@
           </a:p>
         </p:txBody>
       </p:sp>
-      <p:sp>
-        <p:nvSpPr>
-          <p:cNvPr id="6" name="Content Placeholder 5"/>
-          <p:cNvSpPr>
-            <a:spLocks noGrp="1"/>
-          </p:cNvSpPr>
+      <p:pic>
+        <p:nvPicPr>
+          <p:cNvPr id="2" name="Content Placeholder 1"/>
+          <p:cNvPicPr>
+            <a:picLocks noGrp="1" noChangeAspect="1"/>
+          </p:cNvPicPr>
           <p:nvPr>
             <p:ph idx="1"/>
           </p:nvPr>
-        </p:nvSpPr>
-        <p:spPr/>
-        <p:txBody>
-          <a:bodyPr/>
-          <a:lstStyle/>
-          <a:p>
-            <a:endParaRPr lang="en-US" dirty="0"/>
-          </a:p>
-        </p:txBody>
-      </p:sp>
+        </p:nvPicPr>
+        <p:blipFill>
+          <a:blip r:embed="rId2"/>
+          <a:stretch>
+            <a:fillRect/>
+          </a:stretch>
+        </p:blipFill>
+        <p:spPr>
+          <a:xfrm>
+            <a:off x="1897644" y="1346738"/>
+            <a:ext cx="7376357" cy="4727491"/>
+          </a:xfrm>
+          <a:prstGeom prst="rect">
+            <a:avLst/>
+          </a:prstGeom>
+        </p:spPr>
+      </p:pic>
       <p:pic>
         <p:nvPicPr>
           <p:cNvPr id="5" name="Picture 2" descr="C:\Users\Desk\Desktop\Cameron School\CIST 2931 Stuff\PPT Slide Footer Image.png"/>
@@ -6641,7 +6653,7 @@
           <p:nvPr/>
         </p:nvPicPr>
         <p:blipFill>
-          <a:blip r:embed="rId2"/>
+          <a:blip r:embed="rId3"/>
           <a:srcRect/>
           <a:stretch>
             <a:fillRect/>
